--- a/ReactContainers.pptx
+++ b/ReactContainers.pptx
@@ -6,6 +6,13 @@
   </p:sldMasterIdLst>
   <p:sldIdLst>
     <p:sldId id="256" r:id="rId2"/>
+    <p:sldId id="263" r:id="rId3"/>
+    <p:sldId id="257" r:id="rId4"/>
+    <p:sldId id="258" r:id="rId5"/>
+    <p:sldId id="261" r:id="rId6"/>
+    <p:sldId id="259" r:id="rId7"/>
+    <p:sldId id="260" r:id="rId8"/>
+    <p:sldId id="262" r:id="rId9"/>
   </p:sldIdLst>
   <p:sldSz cx="12192000" cy="6858000"/>
   <p:notesSz cx="6858000" cy="9144000"/>
@@ -104,6 +111,11 @@
       </a:defRPr>
     </a:lvl9pPr>
   </p:defaultTextStyle>
+  <p:extLst>
+    <p:ext uri="{EFAFB233-063F-42B5-8137-9DF3F51BA10A}">
+      <p15:sldGuideLst xmlns:p15="http://schemas.microsoft.com/office/powerpoint/2012/main"/>
+    </p:ext>
+  </p:extLst>
 </p:presentation>
 </file>
 
@@ -277,7 +289,7 @@
           <a:p>
             <a:fld id="{48A87A34-81AB-432B-8DAE-1953F412C126}" type="datetimeFigureOut">
               <a:rPr lang="en-US" dirty="0"/>
-              <a:t>10/12/2017</a:t>
+              <a:t>10/13/2017</a:t>
             </a:fld>
             <a:endParaRPr lang="en-US" dirty="0"/>
           </a:p>
@@ -539,7 +551,7 @@
           <a:p>
             <a:fld id="{48A87A34-81AB-432B-8DAE-1953F412C126}" type="datetimeFigureOut">
               <a:rPr lang="en-US" dirty="0"/>
-              <a:t>10/12/2017</a:t>
+              <a:t>10/13/2017</a:t>
             </a:fld>
             <a:endParaRPr lang="en-US" dirty="0"/>
           </a:p>
@@ -766,7 +778,7 @@
             <a:fld id="{48A87A34-81AB-432B-8DAE-1953F412C126}" type="datetimeFigureOut">
               <a:rPr lang="en-US" dirty="0"/>
               <a:pPr/>
-              <a:t>10/12/2017</a:t>
+              <a:t>10/13/2017</a:t>
             </a:fld>
             <a:endParaRPr lang="en-US" dirty="0"/>
           </a:p>
@@ -1072,7 +1084,7 @@
             <a:fld id="{48A87A34-81AB-432B-8DAE-1953F412C126}" type="datetimeFigureOut">
               <a:rPr lang="en-US" dirty="0"/>
               <a:pPr/>
-              <a:t>10/12/2017</a:t>
+              <a:t>10/13/2017</a:t>
             </a:fld>
             <a:endParaRPr lang="en-US" dirty="0"/>
           </a:p>
@@ -1541,7 +1553,7 @@
             <a:fld id="{48A87A34-81AB-432B-8DAE-1953F412C126}" type="datetimeFigureOut">
               <a:rPr lang="en-US" dirty="0"/>
               <a:pPr/>
-              <a:t>10/12/2017</a:t>
+              <a:t>10/13/2017</a:t>
             </a:fld>
             <a:endParaRPr lang="en-US" dirty="0"/>
           </a:p>
@@ -2083,7 +2095,7 @@
           <a:p>
             <a:fld id="{48A87A34-81AB-432B-8DAE-1953F412C126}" type="datetimeFigureOut">
               <a:rPr lang="en-US" dirty="0"/>
-              <a:t>10/12/2017</a:t>
+              <a:t>10/13/2017</a:t>
             </a:fld>
             <a:endParaRPr lang="en-US" dirty="0"/>
           </a:p>
@@ -2852,7 +2864,7 @@
           <a:p>
             <a:fld id="{48A87A34-81AB-432B-8DAE-1953F412C126}" type="datetimeFigureOut">
               <a:rPr lang="en-US" dirty="0"/>
-              <a:t>10/12/2017</a:t>
+              <a:t>10/13/2017</a:t>
             </a:fld>
             <a:endParaRPr lang="en-US" dirty="0"/>
           </a:p>
@@ -3022,7 +3034,7 @@
           <a:p>
             <a:fld id="{48A87A34-81AB-432B-8DAE-1953F412C126}" type="datetimeFigureOut">
               <a:rPr lang="en-US" dirty="0"/>
-              <a:t>10/12/2017</a:t>
+              <a:t>10/13/2017</a:t>
             </a:fld>
             <a:endParaRPr lang="en-US" dirty="0"/>
           </a:p>
@@ -3241,7 +3253,7 @@
             <a:fld id="{48A87A34-81AB-432B-8DAE-1953F412C126}" type="datetimeFigureOut">
               <a:rPr lang="en-US" dirty="0"/>
               <a:pPr/>
-              <a:t>10/12/2017</a:t>
+              <a:t>10/13/2017</a:t>
             </a:fld>
             <a:endParaRPr lang="en-US" dirty="0"/>
           </a:p>
@@ -3416,7 +3428,7 @@
           <a:p>
             <a:fld id="{48A87A34-81AB-432B-8DAE-1953F412C126}" type="datetimeFigureOut">
               <a:rPr lang="en-US" dirty="0"/>
-              <a:t>10/12/2017</a:t>
+              <a:t>10/13/2017</a:t>
             </a:fld>
             <a:endParaRPr lang="en-US" dirty="0"/>
           </a:p>
@@ -3701,7 +3713,7 @@
             <a:fld id="{48A87A34-81AB-432B-8DAE-1953F412C126}" type="datetimeFigureOut">
               <a:rPr lang="en-US" dirty="0"/>
               <a:pPr/>
-              <a:t>10/12/2017</a:t>
+              <a:t>10/13/2017</a:t>
             </a:fld>
             <a:endParaRPr lang="en-US" dirty="0"/>
           </a:p>
@@ -3938,7 +3950,7 @@
           <a:p>
             <a:fld id="{48A87A34-81AB-432B-8DAE-1953F412C126}" type="datetimeFigureOut">
               <a:rPr lang="en-US" dirty="0"/>
-              <a:t>10/12/2017</a:t>
+              <a:t>10/13/2017</a:t>
             </a:fld>
             <a:endParaRPr lang="en-US" dirty="0"/>
           </a:p>
@@ -4312,7 +4324,7 @@
           <a:p>
             <a:fld id="{48A87A34-81AB-432B-8DAE-1953F412C126}" type="datetimeFigureOut">
               <a:rPr lang="en-US" dirty="0"/>
-              <a:t>10/12/2017</a:t>
+              <a:t>10/13/2017</a:t>
             </a:fld>
             <a:endParaRPr lang="en-US" dirty="0"/>
           </a:p>
@@ -4425,7 +4437,7 @@
           <a:p>
             <a:fld id="{48A87A34-81AB-432B-8DAE-1953F412C126}" type="datetimeFigureOut">
               <a:rPr lang="en-US" dirty="0"/>
-              <a:t>10/12/2017</a:t>
+              <a:t>10/13/2017</a:t>
             </a:fld>
             <a:endParaRPr lang="en-US" dirty="0"/>
           </a:p>
@@ -4515,7 +4527,7 @@
           <a:p>
             <a:fld id="{48A87A34-81AB-432B-8DAE-1953F412C126}" type="datetimeFigureOut">
               <a:rPr lang="en-US" dirty="0"/>
-              <a:t>10/12/2017</a:t>
+              <a:t>10/13/2017</a:t>
             </a:fld>
             <a:endParaRPr lang="en-US" dirty="0"/>
           </a:p>
@@ -4759,7 +4771,7 @@
           <a:p>
             <a:fld id="{48A87A34-81AB-432B-8DAE-1953F412C126}" type="datetimeFigureOut">
               <a:rPr lang="en-US" dirty="0"/>
-              <a:t>10/12/2017</a:t>
+              <a:t>10/13/2017</a:t>
             </a:fld>
             <a:endParaRPr lang="en-US" dirty="0"/>
           </a:p>
@@ -5011,7 +5023,7 @@
           <a:p>
             <a:fld id="{48A87A34-81AB-432B-8DAE-1953F412C126}" type="datetimeFigureOut">
               <a:rPr lang="en-US" dirty="0"/>
-              <a:t>10/12/2017</a:t>
+              <a:t>10/13/2017</a:t>
             </a:fld>
             <a:endParaRPr lang="en-US" dirty="0"/>
           </a:p>
@@ -5250,7 +5262,7 @@
             <a:fld id="{48A87A34-81AB-432B-8DAE-1953F412C126}" type="datetimeFigureOut">
               <a:rPr lang="en-US" dirty="0"/>
               <a:pPr/>
-              <a:t>10/12/2017</a:t>
+              <a:t>10/13/2017</a:t>
             </a:fld>
             <a:endParaRPr lang="en-US" dirty="0"/>
           </a:p>
@@ -5672,7 +5684,15 @@
           <a:bodyPr/>
           <a:lstStyle/>
           <a:p>
-            <a:endParaRPr lang="pl-PL"/>
+            <a:r>
+              <a:rPr lang="pl-PL" dirty="0" smtClean="0"/>
+              <a:t>REACT.js </a:t>
+            </a:r>
+            <a:r>
+              <a:rPr lang="pl-PL" dirty="0" err="1" smtClean="0"/>
+              <a:t>components</a:t>
+            </a:r>
+            <a:endParaRPr lang="pl-PL" dirty="0"/>
           </a:p>
         </p:txBody>
       </p:sp>
@@ -5699,6 +5719,604 @@
     <p:extLst>
       <p:ext uri="{BB962C8B-B14F-4D97-AF65-F5344CB8AC3E}">
         <p14:creationId xmlns:p14="http://schemas.microsoft.com/office/powerpoint/2010/main" val="3908569357"/>
+      </p:ext>
+    </p:extLst>
+  </p:cSld>
+  <p:clrMapOvr>
+    <a:masterClrMapping/>
+  </p:clrMapOvr>
+</p:sld>
+</file>
+
+<file path=ppt/slides/slide2.xml><?xml version="1.0" encoding="utf-8"?>
+<p:sld xmlns:a="http://schemas.openxmlformats.org/drawingml/2006/main" xmlns:r="http://schemas.openxmlformats.org/officeDocument/2006/relationships" xmlns:p="http://schemas.openxmlformats.org/presentationml/2006/main">
+  <p:cSld>
+    <p:spTree>
+      <p:nvGrpSpPr>
+        <p:cNvPr id="1" name=""/>
+        <p:cNvGrpSpPr/>
+        <p:nvPr/>
+      </p:nvGrpSpPr>
+      <p:grpSpPr>
+        <a:xfrm>
+          <a:off x="0" y="0"/>
+          <a:ext cx="0" cy="0"/>
+          <a:chOff x="0" y="0"/>
+          <a:chExt cx="0" cy="0"/>
+        </a:xfrm>
+      </p:grpSpPr>
+      <p:sp>
+        <p:nvSpPr>
+          <p:cNvPr id="4" name="Tytuł 3"/>
+          <p:cNvSpPr>
+            <a:spLocks noGrp="1"/>
+          </p:cNvSpPr>
+          <p:nvPr>
+            <p:ph type="title"/>
+          </p:nvPr>
+        </p:nvSpPr>
+        <p:spPr/>
+        <p:txBody>
+          <a:bodyPr/>
+          <a:lstStyle/>
+          <a:p>
+            <a:r>
+              <a:rPr lang="pl-PL" dirty="0" smtClean="0"/>
+              <a:t>How to </a:t>
+            </a:r>
+            <a:r>
+              <a:rPr lang="pl-PL" dirty="0" err="1" smtClean="0"/>
+              <a:t>add</a:t>
+            </a:r>
+            <a:r>
+              <a:rPr lang="pl-PL" dirty="0" smtClean="0"/>
+              <a:t> component</a:t>
+            </a:r>
+            <a:endParaRPr lang="pl-PL" dirty="0"/>
+          </a:p>
+        </p:txBody>
+      </p:sp>
+      <p:sp>
+        <p:nvSpPr>
+          <p:cNvPr id="5" name="Symbol zastępczy tekstu 4"/>
+          <p:cNvSpPr>
+            <a:spLocks noGrp="1"/>
+          </p:cNvSpPr>
+          <p:nvPr>
+            <p:ph type="body" idx="1"/>
+          </p:nvPr>
+        </p:nvSpPr>
+        <p:spPr/>
+        <p:txBody>
+          <a:bodyPr/>
+          <a:lstStyle/>
+          <a:p>
+            <a:endParaRPr lang="pl-PL"/>
+          </a:p>
+        </p:txBody>
+      </p:sp>
+    </p:spTree>
+    <p:extLst>
+      <p:ext uri="{BB962C8B-B14F-4D97-AF65-F5344CB8AC3E}">
+        <p14:creationId xmlns:p14="http://schemas.microsoft.com/office/powerpoint/2010/main" val="3228110751"/>
+      </p:ext>
+    </p:extLst>
+  </p:cSld>
+  <p:clrMapOvr>
+    <a:masterClrMapping/>
+  </p:clrMapOvr>
+</p:sld>
+</file>
+
+<file path=ppt/slides/slide3.xml><?xml version="1.0" encoding="utf-8"?>
+<p:sld xmlns:a="http://schemas.openxmlformats.org/drawingml/2006/main" xmlns:r="http://schemas.openxmlformats.org/officeDocument/2006/relationships" xmlns:p="http://schemas.openxmlformats.org/presentationml/2006/main">
+  <p:cSld>
+    <p:spTree>
+      <p:nvGrpSpPr>
+        <p:cNvPr id="1" name=""/>
+        <p:cNvGrpSpPr/>
+        <p:nvPr/>
+      </p:nvGrpSpPr>
+      <p:grpSpPr>
+        <a:xfrm>
+          <a:off x="0" y="0"/>
+          <a:ext cx="0" cy="0"/>
+          <a:chOff x="0" y="0"/>
+          <a:chExt cx="0" cy="0"/>
+        </a:xfrm>
+      </p:grpSpPr>
+      <p:sp>
+        <p:nvSpPr>
+          <p:cNvPr id="2" name="Tytuł 1"/>
+          <p:cNvSpPr>
+            <a:spLocks noGrp="1"/>
+          </p:cNvSpPr>
+          <p:nvPr>
+            <p:ph type="title"/>
+          </p:nvPr>
+        </p:nvSpPr>
+        <p:spPr/>
+        <p:txBody>
+          <a:bodyPr/>
+          <a:lstStyle/>
+          <a:p>
+            <a:r>
+              <a:rPr lang="pl-PL" dirty="0" err="1" smtClean="0"/>
+              <a:t>Add</a:t>
+            </a:r>
+            <a:r>
+              <a:rPr lang="pl-PL" dirty="0" smtClean="0"/>
+              <a:t> </a:t>
+            </a:r>
+            <a:r>
+              <a:rPr lang="pl-PL" dirty="0" err="1" smtClean="0"/>
+              <a:t>Container</a:t>
+            </a:r>
+            <a:endParaRPr lang="pl-PL" dirty="0"/>
+          </a:p>
+        </p:txBody>
+      </p:sp>
+      <p:sp>
+        <p:nvSpPr>
+          <p:cNvPr id="3" name="Symbol zastępczy zawartości 2"/>
+          <p:cNvSpPr>
+            <a:spLocks noGrp="1"/>
+          </p:cNvSpPr>
+          <p:nvPr>
+            <p:ph idx="1"/>
+          </p:nvPr>
+        </p:nvSpPr>
+        <p:spPr/>
+        <p:txBody>
+          <a:bodyPr/>
+          <a:lstStyle/>
+          <a:p>
+            <a:endParaRPr lang="pl-PL" dirty="0"/>
+          </a:p>
+        </p:txBody>
+      </p:sp>
+    </p:spTree>
+    <p:extLst>
+      <p:ext uri="{BB962C8B-B14F-4D97-AF65-F5344CB8AC3E}">
+        <p14:creationId xmlns:p14="http://schemas.microsoft.com/office/powerpoint/2010/main" val="1506436097"/>
+      </p:ext>
+    </p:extLst>
+  </p:cSld>
+  <p:clrMapOvr>
+    <a:masterClrMapping/>
+  </p:clrMapOvr>
+</p:sld>
+</file>
+
+<file path=ppt/slides/slide4.xml><?xml version="1.0" encoding="utf-8"?>
+<p:sld xmlns:a="http://schemas.openxmlformats.org/drawingml/2006/main" xmlns:r="http://schemas.openxmlformats.org/officeDocument/2006/relationships" xmlns:p="http://schemas.openxmlformats.org/presentationml/2006/main">
+  <p:cSld>
+    <p:spTree>
+      <p:nvGrpSpPr>
+        <p:cNvPr id="1" name=""/>
+        <p:cNvGrpSpPr/>
+        <p:nvPr/>
+      </p:nvGrpSpPr>
+      <p:grpSpPr>
+        <a:xfrm>
+          <a:off x="0" y="0"/>
+          <a:ext cx="0" cy="0"/>
+          <a:chOff x="0" y="0"/>
+          <a:chExt cx="0" cy="0"/>
+        </a:xfrm>
+      </p:grpSpPr>
+      <p:sp>
+        <p:nvSpPr>
+          <p:cNvPr id="2" name="Tytuł 1"/>
+          <p:cNvSpPr>
+            <a:spLocks noGrp="1"/>
+          </p:cNvSpPr>
+          <p:nvPr>
+            <p:ph type="title"/>
+          </p:nvPr>
+        </p:nvSpPr>
+        <p:spPr/>
+        <p:txBody>
+          <a:bodyPr/>
+          <a:lstStyle/>
+          <a:p>
+            <a:r>
+              <a:rPr lang="pl-PL" dirty="0" err="1" smtClean="0"/>
+              <a:t>Add</a:t>
+            </a:r>
+            <a:r>
+              <a:rPr lang="pl-PL" dirty="0" smtClean="0"/>
+              <a:t> </a:t>
+            </a:r>
+            <a:r>
+              <a:rPr lang="pl-PL" dirty="0" err="1" smtClean="0"/>
+              <a:t>container</a:t>
+            </a:r>
+            <a:endParaRPr lang="pl-PL" dirty="0"/>
+          </a:p>
+        </p:txBody>
+      </p:sp>
+      <p:sp>
+        <p:nvSpPr>
+          <p:cNvPr id="3" name="Symbol zastępczy zawartości 2"/>
+          <p:cNvSpPr>
+            <a:spLocks noGrp="1"/>
+          </p:cNvSpPr>
+          <p:nvPr>
+            <p:ph idx="1"/>
+          </p:nvPr>
+        </p:nvSpPr>
+        <p:spPr/>
+        <p:txBody>
+          <a:bodyPr/>
+          <a:lstStyle/>
+          <a:p>
+            <a:endParaRPr lang="pl-PL"/>
+          </a:p>
+        </p:txBody>
+      </p:sp>
+    </p:spTree>
+    <p:extLst>
+      <p:ext uri="{BB962C8B-B14F-4D97-AF65-F5344CB8AC3E}">
+        <p14:creationId xmlns:p14="http://schemas.microsoft.com/office/powerpoint/2010/main" val="3867197642"/>
+      </p:ext>
+    </p:extLst>
+  </p:cSld>
+  <p:clrMapOvr>
+    <a:masterClrMapping/>
+  </p:clrMapOvr>
+</p:sld>
+</file>
+
+<file path=ppt/slides/slide5.xml><?xml version="1.0" encoding="utf-8"?>
+<p:sld xmlns:a="http://schemas.openxmlformats.org/drawingml/2006/main" xmlns:r="http://schemas.openxmlformats.org/officeDocument/2006/relationships" xmlns:p="http://schemas.openxmlformats.org/presentationml/2006/main">
+  <p:cSld>
+    <p:spTree>
+      <p:nvGrpSpPr>
+        <p:cNvPr id="1" name=""/>
+        <p:cNvGrpSpPr/>
+        <p:nvPr/>
+      </p:nvGrpSpPr>
+      <p:grpSpPr>
+        <a:xfrm>
+          <a:off x="0" y="0"/>
+          <a:ext cx="0" cy="0"/>
+          <a:chOff x="0" y="0"/>
+          <a:chExt cx="0" cy="0"/>
+        </a:xfrm>
+      </p:grpSpPr>
+      <p:sp>
+        <p:nvSpPr>
+          <p:cNvPr id="4" name="Tytuł 3"/>
+          <p:cNvSpPr>
+            <a:spLocks noGrp="1"/>
+          </p:cNvSpPr>
+          <p:nvPr>
+            <p:ph type="title"/>
+          </p:nvPr>
+        </p:nvSpPr>
+        <p:spPr/>
+        <p:txBody>
+          <a:bodyPr/>
+          <a:lstStyle/>
+          <a:p>
+            <a:r>
+              <a:rPr lang="pl-PL" dirty="0" smtClean="0"/>
+              <a:t>How to </a:t>
+            </a:r>
+            <a:r>
+              <a:rPr lang="pl-PL" dirty="0" err="1" smtClean="0"/>
+              <a:t>remove</a:t>
+            </a:r>
+            <a:r>
+              <a:rPr lang="pl-PL" dirty="0" smtClean="0"/>
+              <a:t> </a:t>
+            </a:r>
+            <a:r>
+              <a:rPr lang="pl-PL" dirty="0" err="1" smtClean="0"/>
+              <a:t>container</a:t>
+            </a:r>
+            <a:endParaRPr lang="pl-PL" dirty="0"/>
+          </a:p>
+        </p:txBody>
+      </p:sp>
+      <p:sp>
+        <p:nvSpPr>
+          <p:cNvPr id="5" name="Symbol zastępczy tekstu 4"/>
+          <p:cNvSpPr>
+            <a:spLocks noGrp="1"/>
+          </p:cNvSpPr>
+          <p:nvPr>
+            <p:ph type="body" idx="1"/>
+          </p:nvPr>
+        </p:nvSpPr>
+        <p:spPr/>
+        <p:txBody>
+          <a:bodyPr/>
+          <a:lstStyle/>
+          <a:p>
+            <a:endParaRPr lang="pl-PL"/>
+          </a:p>
+        </p:txBody>
+      </p:sp>
+    </p:spTree>
+    <p:extLst>
+      <p:ext uri="{BB962C8B-B14F-4D97-AF65-F5344CB8AC3E}">
+        <p14:creationId xmlns:p14="http://schemas.microsoft.com/office/powerpoint/2010/main" val="1196390755"/>
+      </p:ext>
+    </p:extLst>
+  </p:cSld>
+  <p:clrMapOvr>
+    <a:masterClrMapping/>
+  </p:clrMapOvr>
+</p:sld>
+</file>
+
+<file path=ppt/slides/slide6.xml><?xml version="1.0" encoding="utf-8"?>
+<p:sld xmlns:a="http://schemas.openxmlformats.org/drawingml/2006/main" xmlns:r="http://schemas.openxmlformats.org/officeDocument/2006/relationships" xmlns:p="http://schemas.openxmlformats.org/presentationml/2006/main">
+  <p:cSld>
+    <p:spTree>
+      <p:nvGrpSpPr>
+        <p:cNvPr id="1" name=""/>
+        <p:cNvGrpSpPr/>
+        <p:nvPr/>
+      </p:nvGrpSpPr>
+      <p:grpSpPr>
+        <a:xfrm>
+          <a:off x="0" y="0"/>
+          <a:ext cx="0" cy="0"/>
+          <a:chOff x="0" y="0"/>
+          <a:chExt cx="0" cy="0"/>
+        </a:xfrm>
+      </p:grpSpPr>
+      <p:sp>
+        <p:nvSpPr>
+          <p:cNvPr id="2" name="Tytuł 1"/>
+          <p:cNvSpPr>
+            <a:spLocks noGrp="1"/>
+          </p:cNvSpPr>
+          <p:nvPr>
+            <p:ph type="title"/>
+          </p:nvPr>
+        </p:nvSpPr>
+        <p:spPr/>
+        <p:txBody>
+          <a:bodyPr/>
+          <a:lstStyle/>
+          <a:p>
+            <a:r>
+              <a:rPr lang="pl-PL" dirty="0" err="1" smtClean="0"/>
+              <a:t>Remove</a:t>
+            </a:r>
+            <a:r>
+              <a:rPr lang="pl-PL" dirty="0" smtClean="0"/>
+              <a:t> </a:t>
+            </a:r>
+            <a:r>
+              <a:rPr lang="pl-PL" dirty="0" err="1" smtClean="0"/>
+              <a:t>continer</a:t>
+            </a:r>
+            <a:endParaRPr lang="pl-PL" dirty="0"/>
+          </a:p>
+        </p:txBody>
+      </p:sp>
+      <p:sp>
+        <p:nvSpPr>
+          <p:cNvPr id="3" name="Symbol zastępczy zawartości 2"/>
+          <p:cNvSpPr>
+            <a:spLocks noGrp="1"/>
+          </p:cNvSpPr>
+          <p:nvPr>
+            <p:ph idx="1"/>
+          </p:nvPr>
+        </p:nvSpPr>
+        <p:spPr/>
+        <p:txBody>
+          <a:bodyPr/>
+          <a:lstStyle/>
+          <a:p>
+            <a:endParaRPr lang="pl-PL"/>
+          </a:p>
+        </p:txBody>
+      </p:sp>
+    </p:spTree>
+    <p:extLst>
+      <p:ext uri="{BB962C8B-B14F-4D97-AF65-F5344CB8AC3E}">
+        <p14:creationId xmlns:p14="http://schemas.microsoft.com/office/powerpoint/2010/main" val="3728928727"/>
+      </p:ext>
+    </p:extLst>
+  </p:cSld>
+  <p:clrMapOvr>
+    <a:masterClrMapping/>
+  </p:clrMapOvr>
+</p:sld>
+</file>
+
+<file path=ppt/slides/slide7.xml><?xml version="1.0" encoding="utf-8"?>
+<p:sld xmlns:a="http://schemas.openxmlformats.org/drawingml/2006/main" xmlns:r="http://schemas.openxmlformats.org/officeDocument/2006/relationships" xmlns:p="http://schemas.openxmlformats.org/presentationml/2006/main">
+  <p:cSld>
+    <p:spTree>
+      <p:nvGrpSpPr>
+        <p:cNvPr id="1" name=""/>
+        <p:cNvGrpSpPr/>
+        <p:nvPr/>
+      </p:nvGrpSpPr>
+      <p:grpSpPr>
+        <a:xfrm>
+          <a:off x="0" y="0"/>
+          <a:ext cx="0" cy="0"/>
+          <a:chOff x="0" y="0"/>
+          <a:chExt cx="0" cy="0"/>
+        </a:xfrm>
+      </p:grpSpPr>
+      <p:sp>
+        <p:nvSpPr>
+          <p:cNvPr id="2" name="Tytuł 1"/>
+          <p:cNvSpPr>
+            <a:spLocks noGrp="1"/>
+          </p:cNvSpPr>
+          <p:nvPr>
+            <p:ph type="title"/>
+          </p:nvPr>
+        </p:nvSpPr>
+        <p:spPr/>
+        <p:txBody>
+          <a:bodyPr/>
+          <a:lstStyle/>
+          <a:p>
+            <a:r>
+              <a:rPr lang="pl-PL" dirty="0" err="1" smtClean="0"/>
+              <a:t>Remove</a:t>
+            </a:r>
+            <a:r>
+              <a:rPr lang="pl-PL" dirty="0" smtClean="0"/>
+              <a:t> </a:t>
+            </a:r>
+            <a:r>
+              <a:rPr lang="pl-PL" dirty="0" err="1" smtClean="0"/>
+              <a:t>container</a:t>
+            </a:r>
+            <a:endParaRPr lang="pl-PL" dirty="0"/>
+          </a:p>
+        </p:txBody>
+      </p:sp>
+      <p:sp>
+        <p:nvSpPr>
+          <p:cNvPr id="3" name="Symbol zastępczy zawartości 2"/>
+          <p:cNvSpPr>
+            <a:spLocks noGrp="1"/>
+          </p:cNvSpPr>
+          <p:nvPr>
+            <p:ph idx="1"/>
+          </p:nvPr>
+        </p:nvSpPr>
+        <p:spPr/>
+        <p:txBody>
+          <a:bodyPr/>
+          <a:lstStyle/>
+          <a:p>
+            <a:endParaRPr lang="pl-PL"/>
+          </a:p>
+        </p:txBody>
+      </p:sp>
+    </p:spTree>
+    <p:extLst>
+      <p:ext uri="{BB962C8B-B14F-4D97-AF65-F5344CB8AC3E}">
+        <p14:creationId xmlns:p14="http://schemas.microsoft.com/office/powerpoint/2010/main" val="4241141107"/>
+      </p:ext>
+    </p:extLst>
+  </p:cSld>
+  <p:clrMapOvr>
+    <a:masterClrMapping/>
+  </p:clrMapOvr>
+</p:sld>
+</file>
+
+<file path=ppt/slides/slide8.xml><?xml version="1.0" encoding="utf-8"?>
+<p:sld xmlns:a="http://schemas.openxmlformats.org/drawingml/2006/main" xmlns:r="http://schemas.openxmlformats.org/officeDocument/2006/relationships" xmlns:p="http://schemas.openxmlformats.org/presentationml/2006/main">
+  <p:cSld>
+    <p:spTree>
+      <p:nvGrpSpPr>
+        <p:cNvPr id="1" name=""/>
+        <p:cNvGrpSpPr/>
+        <p:nvPr/>
+      </p:nvGrpSpPr>
+      <p:grpSpPr>
+        <a:xfrm>
+          <a:off x="0" y="0"/>
+          <a:ext cx="0" cy="0"/>
+          <a:chOff x="0" y="0"/>
+          <a:chExt cx="0" cy="0"/>
+        </a:xfrm>
+      </p:grpSpPr>
+      <p:sp>
+        <p:nvSpPr>
+          <p:cNvPr id="2" name="Tytuł 1"/>
+          <p:cNvSpPr>
+            <a:spLocks noGrp="1"/>
+          </p:cNvSpPr>
+          <p:nvPr>
+            <p:ph type="title"/>
+          </p:nvPr>
+        </p:nvSpPr>
+        <p:spPr/>
+        <p:txBody>
+          <a:bodyPr/>
+          <a:lstStyle/>
+          <a:p>
+            <a:r>
+              <a:rPr lang="pl-PL" dirty="0" err="1" smtClean="0"/>
+              <a:t>That’s</a:t>
+            </a:r>
+            <a:r>
+              <a:rPr lang="pl-PL" dirty="0" smtClean="0"/>
+              <a:t> </a:t>
+            </a:r>
+            <a:r>
+              <a:rPr lang="pl-PL" dirty="0" err="1" smtClean="0"/>
+              <a:t>all</a:t>
+            </a:r>
+            <a:endParaRPr lang="pl-PL" dirty="0"/>
+          </a:p>
+        </p:txBody>
+      </p:sp>
+      <p:sp>
+        <p:nvSpPr>
+          <p:cNvPr id="3" name="Symbol zastępczy zawartości 2"/>
+          <p:cNvSpPr>
+            <a:spLocks noGrp="1"/>
+          </p:cNvSpPr>
+          <p:nvPr>
+            <p:ph idx="1"/>
+          </p:nvPr>
+        </p:nvSpPr>
+        <p:spPr/>
+        <p:txBody>
+          <a:bodyPr/>
+          <a:lstStyle/>
+          <a:p>
+            <a:pPr marL="0" indent="0">
+              <a:buNone/>
+            </a:pPr>
+            <a:r>
+              <a:rPr lang="pl-PL" dirty="0" err="1" smtClean="0"/>
+              <a:t>Authors</a:t>
+            </a:r>
+            <a:r>
+              <a:rPr lang="pl-PL" dirty="0" smtClean="0"/>
+              <a:t>:</a:t>
+            </a:r>
+            <a:br>
+              <a:rPr lang="pl-PL" dirty="0" smtClean="0"/>
+            </a:br>
+            <a:r>
+              <a:rPr lang="pl-PL" dirty="0" smtClean="0"/>
+              <a:t/>
+            </a:r>
+            <a:br>
+              <a:rPr lang="pl-PL" dirty="0" smtClean="0"/>
+            </a:br>
+            <a:r>
+              <a:rPr lang="pl-PL" dirty="0" smtClean="0"/>
+              <a:t>Maciej Jarzębkowski</a:t>
+            </a:r>
+          </a:p>
+          <a:p>
+            <a:pPr marL="0" indent="0">
+              <a:buNone/>
+            </a:pPr>
+            <a:r>
+              <a:rPr lang="pl-PL" dirty="0" smtClean="0"/>
+              <a:t>Hultaj Zawadzki</a:t>
+            </a:r>
+            <a:endParaRPr lang="pl-PL" dirty="0"/>
+          </a:p>
+        </p:txBody>
+      </p:sp>
+    </p:spTree>
+    <p:extLst>
+      <p:ext uri="{BB962C8B-B14F-4D97-AF65-F5344CB8AC3E}">
+        <p14:creationId xmlns:p14="http://schemas.microsoft.com/office/powerpoint/2010/main" val="841478743"/>
       </p:ext>
     </p:extLst>
   </p:cSld>

--- a/ReactContainers.pptx
+++ b/ReactContainers.pptx
@@ -9,11 +9,11 @@
   <p:sldIdLst>
     <p:sldId id="281" r:id="rId4"/>
     <p:sldId id="296" r:id="rId5"/>
-    <p:sldId id="282" r:id="rId6"/>
-    <p:sldId id="283" r:id="rId7"/>
-    <p:sldId id="284" r:id="rId8"/>
-    <p:sldId id="285" r:id="rId9"/>
-    <p:sldId id="286" r:id="rId10"/>
+    <p:sldId id="285" r:id="rId6"/>
+    <p:sldId id="282" r:id="rId7"/>
+    <p:sldId id="286" r:id="rId8"/>
+    <p:sldId id="284" r:id="rId9"/>
+    <p:sldId id="283" r:id="rId10"/>
     <p:sldId id="287" r:id="rId11"/>
     <p:sldId id="288" r:id="rId12"/>
     <p:sldId id="289" r:id="rId13"/>
@@ -15075,6 +15075,13 @@
   <p:clrMapOvr>
     <a:masterClrMapping/>
   </p:clrMapOvr>
+  <p:timing>
+    <p:tnLst>
+      <p:par>
+        <p:cTn id="1" dur="indefinite" restart="never" nodeType="tmRoot"/>
+      </p:par>
+    </p:tnLst>
+  </p:timing>
 </p:sld>
 </file>
 
@@ -15905,7 +15912,77 @@
               <a:rPr lang="pl-PL" dirty="0" err="1" smtClean="0"/>
               <a:t>editor</a:t>
             </a:r>
-            <a:endParaRPr lang="pl-PL" dirty="0"/>
+            <a:r>
+              <a:rPr lang="pl-PL" dirty="0" smtClean="0"/>
+              <a:t> (</a:t>
+            </a:r>
+            <a:r>
+              <a:rPr lang="pl-PL" dirty="0" err="1" smtClean="0"/>
+              <a:t>fedora</a:t>
+            </a:r>
+            <a:r>
+              <a:rPr lang="pl-PL" dirty="0" smtClean="0"/>
+              <a:t>, </a:t>
+            </a:r>
+            <a:r>
+              <a:rPr lang="pl-PL" dirty="0" err="1" smtClean="0"/>
+              <a:t>visual</a:t>
+            </a:r>
+            <a:r>
+              <a:rPr lang="pl-PL" dirty="0" smtClean="0"/>
+              <a:t> studio </a:t>
+            </a:r>
+            <a:r>
+              <a:rPr lang="pl-PL" dirty="0" err="1" smtClean="0"/>
+              <a:t>code</a:t>
+            </a:r>
+            <a:r>
+              <a:rPr lang="pl-PL" dirty="0" smtClean="0"/>
+              <a:t>, </a:t>
+            </a:r>
+            <a:r>
+              <a:rPr lang="pl-PL" dirty="0" err="1" smtClean="0"/>
+              <a:t>bash</a:t>
+            </a:r>
+            <a:r>
+              <a:rPr lang="pl-PL" dirty="0" smtClean="0"/>
+              <a:t> )</a:t>
+            </a:r>
+          </a:p>
+          <a:p>
+            <a:r>
+              <a:rPr lang="pl-PL" dirty="0" smtClean="0"/>
+              <a:t>Components </a:t>
+            </a:r>
+            <a:r>
+              <a:rPr lang="pl-PL" dirty="0" err="1" smtClean="0"/>
+              <a:t>libares</a:t>
+            </a:r>
+            <a:r>
+              <a:rPr lang="pl-PL" dirty="0" smtClean="0"/>
+              <a:t>:</a:t>
+            </a:r>
+          </a:p>
+          <a:p>
+            <a:pPr lvl="1"/>
+            <a:r>
+              <a:rPr lang="pl-PL" dirty="0" smtClean="0"/>
+              <a:t>1 </a:t>
+            </a:r>
+          </a:p>
+          <a:p>
+            <a:pPr lvl="1"/>
+            <a:r>
+              <a:rPr lang="pl-PL" dirty="0" smtClean="0"/>
+              <a:t>2</a:t>
+            </a:r>
+          </a:p>
+          <a:p>
+            <a:pPr lvl="1"/>
+            <a:r>
+              <a:rPr lang="pl-PL" dirty="0"/>
+              <a:t>3</a:t>
+            </a:r>
           </a:p>
         </p:txBody>
       </p:sp>
@@ -15919,6 +15996,13 @@
   <p:clrMapOvr>
     <a:masterClrMapping/>
   </p:clrMapOvr>
+  <p:timing>
+    <p:tnLst>
+      <p:par>
+        <p:cTn id="1" dur="indefinite" restart="never" nodeType="tmRoot"/>
+      </p:par>
+    </p:tnLst>
+  </p:timing>
 </p:sld>
 </file>
 
@@ -15955,12 +16039,12 @@
           <a:lstStyle/>
           <a:p>
             <a:r>
-              <a:rPr lang="pl-PL" dirty="0"/>
-              <a:t>Component </a:t>
-            </a:r>
-            <a:r>
-              <a:rPr lang="pl-PL" dirty="0" err="1"/>
-              <a:t>Conception</a:t>
+              <a:rPr lang="pl-PL" dirty="0" smtClean="0"/>
+              <a:t>Project </a:t>
+            </a:r>
+            <a:r>
+              <a:rPr lang="pl-PL" dirty="0" err="1" smtClean="0"/>
+              <a:t>creation</a:t>
             </a:r>
             <a:endParaRPr lang="pl-PL" dirty="0"/>
           </a:p>
@@ -15981,48 +16065,27 @@
           <a:bodyPr/>
           <a:lstStyle/>
           <a:p>
-            <a:r>
-              <a:rPr lang="pl-PL" dirty="0" smtClean="0"/>
-              <a:t>How to </a:t>
-            </a:r>
-            <a:r>
-              <a:rPr lang="pl-PL" dirty="0" err="1" smtClean="0"/>
-              <a:t>create</a:t>
-            </a:r>
-            <a:r>
-              <a:rPr lang="pl-PL" dirty="0" smtClean="0"/>
-              <a:t> </a:t>
-            </a:r>
-            <a:r>
-              <a:rPr lang="pl-PL" dirty="0" err="1" smtClean="0"/>
-              <a:t>new</a:t>
-            </a:r>
-            <a:r>
-              <a:rPr lang="pl-PL" dirty="0" smtClean="0"/>
-              <a:t> </a:t>
-            </a:r>
-            <a:r>
-              <a:rPr lang="pl-PL" dirty="0" err="1" smtClean="0"/>
-              <a:t>project</a:t>
-            </a:r>
-            <a:r>
-              <a:rPr lang="pl-PL" dirty="0" smtClean="0"/>
-              <a:t> ?</a:t>
-            </a:r>
-            <a:endParaRPr lang="pl-PL" dirty="0"/>
+            <a:endParaRPr lang="pl-PL"/>
           </a:p>
         </p:txBody>
       </p:sp>
     </p:spTree>
     <p:extLst>
       <p:ext uri="{BB962C8B-B14F-4D97-AF65-F5344CB8AC3E}">
-        <p14:creationId xmlns:p14="http://schemas.microsoft.com/office/powerpoint/2010/main" val="519444160"/>
+        <p14:creationId xmlns:p14="http://schemas.microsoft.com/office/powerpoint/2010/main" val="69727872"/>
       </p:ext>
     </p:extLst>
   </p:cSld>
   <p:clrMapOvr>
     <a:masterClrMapping/>
   </p:clrMapOvr>
+  <p:timing>
+    <p:tnLst>
+      <p:par>
+        <p:cTn id="1" dur="indefinite" restart="never" nodeType="tmRoot"/>
+      </p:par>
+    </p:tnLst>
+  </p:timing>
 </p:sld>
 </file>
 
@@ -16045,7 +16108,7 @@
       </p:grpSpPr>
       <p:sp>
         <p:nvSpPr>
-          <p:cNvPr id="2" name="Tytuł 1"/>
+          <p:cNvPr id="4" name="Tytuł 3"/>
           <p:cNvSpPr>
             <a:spLocks noGrp="1"/>
           </p:cNvSpPr>
@@ -16059,36 +16122,60 @@
           <a:lstStyle/>
           <a:p>
             <a:r>
+              <a:rPr lang="pl-PL" dirty="0"/>
+              <a:t>Component </a:t>
+            </a:r>
+            <a:r>
+              <a:rPr lang="pl-PL" dirty="0" err="1" smtClean="0"/>
+              <a:t>Concept</a:t>
+            </a:r>
+            <a:endParaRPr lang="pl-PL" dirty="0"/>
+          </a:p>
+        </p:txBody>
+      </p:sp>
+      <p:sp>
+        <p:nvSpPr>
+          <p:cNvPr id="5" name="Symbol zastępczy tekstu 4"/>
+          <p:cNvSpPr>
+            <a:spLocks noGrp="1"/>
+          </p:cNvSpPr>
+          <p:nvPr>
+            <p:ph type="body" idx="1"/>
+          </p:nvPr>
+        </p:nvSpPr>
+        <p:spPr/>
+        <p:txBody>
+          <a:bodyPr/>
+          <a:lstStyle/>
+          <a:p>
+            <a:r>
               <a:rPr lang="pl-PL" dirty="0" smtClean="0"/>
-              <a:t>Component </a:t>
+              <a:t>How to </a:t>
             </a:r>
             <a:r>
               <a:rPr lang="pl-PL" dirty="0" err="1" smtClean="0"/>
-              <a:t>Conception</a:t>
-            </a:r>
-            <a:endParaRPr lang="pl-PL" dirty="0"/>
-          </a:p>
-        </p:txBody>
-      </p:sp>
-      <p:sp>
-        <p:nvSpPr>
-          <p:cNvPr id="3" name="Symbol zastępczy zawartości 2"/>
-          <p:cNvSpPr>
-            <a:spLocks noGrp="1"/>
-          </p:cNvSpPr>
-          <p:nvPr>
-            <p:ph idx="1"/>
-          </p:nvPr>
-        </p:nvSpPr>
-        <p:spPr/>
-        <p:txBody>
-          <a:bodyPr/>
-          <a:lstStyle/>
-          <a:p>
-            <a:pPr marL="457200" indent="-457200">
-              <a:buFont typeface="+mj-lt"/>
-              <a:buAutoNum type="arabicPeriod"/>
-            </a:pPr>
+              <a:t>create</a:t>
+            </a:r>
+            <a:r>
+              <a:rPr lang="pl-PL" dirty="0" smtClean="0"/>
+              <a:t> </a:t>
+            </a:r>
+            <a:r>
+              <a:rPr lang="pl-PL" dirty="0" err="1" smtClean="0"/>
+              <a:t>new</a:t>
+            </a:r>
+            <a:r>
+              <a:rPr lang="pl-PL" dirty="0" smtClean="0"/>
+              <a:t> </a:t>
+            </a:r>
+            <a:r>
+              <a:rPr lang="pl-PL" dirty="0" err="1" smtClean="0"/>
+              <a:t>project</a:t>
+            </a:r>
+            <a:r>
+              <a:rPr lang="pl-PL" dirty="0" smtClean="0"/>
+              <a:t> ?</a:t>
+            </a:r>
             <a:endParaRPr lang="pl-PL" dirty="0"/>
           </a:p>
         </p:txBody>
@@ -16096,13 +16183,20 @@
     </p:spTree>
     <p:extLst>
       <p:ext uri="{BB962C8B-B14F-4D97-AF65-F5344CB8AC3E}">
-        <p14:creationId xmlns:p14="http://schemas.microsoft.com/office/powerpoint/2010/main" val="3259374144"/>
+        <p14:creationId xmlns:p14="http://schemas.microsoft.com/office/powerpoint/2010/main" val="519444160"/>
       </p:ext>
     </p:extLst>
   </p:cSld>
   <p:clrMapOvr>
     <a:masterClrMapping/>
   </p:clrMapOvr>
+  <p:timing>
+    <p:tnLst>
+      <p:par>
+        <p:cTn id="1" dur="indefinite" restart="never" nodeType="tmRoot"/>
+      </p:par>
+    </p:tnLst>
+  </p:timing>
 </p:sld>
 </file>
 
@@ -16140,11 +16234,11 @@
           <a:p>
             <a:r>
               <a:rPr lang="pl-PL" dirty="0" smtClean="0"/>
-              <a:t>Component </a:t>
+              <a:t>Project </a:t>
             </a:r>
             <a:r>
               <a:rPr lang="pl-PL" dirty="0" err="1" smtClean="0"/>
-              <a:t>Conception</a:t>
+              <a:t>creation</a:t>
             </a:r>
             <a:endParaRPr lang="pl-PL" dirty="0"/>
           </a:p>
@@ -16165,20 +16259,240 @@
           <a:bodyPr/>
           <a:lstStyle/>
           <a:p>
-            <a:endParaRPr lang="pl-PL"/>
+            <a:pPr marL="457200" indent="-457200">
+              <a:buFont typeface="+mj-lt"/>
+              <a:buAutoNum type="arabicPeriod"/>
+            </a:pPr>
+            <a:r>
+              <a:rPr lang="pl-PL" dirty="0" err="1"/>
+              <a:t>Create</a:t>
+            </a:r>
+            <a:r>
+              <a:rPr lang="pl-PL" dirty="0"/>
+              <a:t> git </a:t>
+            </a:r>
+            <a:r>
+              <a:rPr lang="pl-PL" dirty="0" err="1"/>
+              <a:t>repo</a:t>
+            </a:r>
+            <a:r>
+              <a:rPr lang="pl-PL" dirty="0"/>
+              <a:t> to </a:t>
+            </a:r>
+            <a:r>
+              <a:rPr lang="pl-PL" dirty="0" err="1"/>
+              <a:t>our</a:t>
+            </a:r>
+            <a:r>
+              <a:rPr lang="pl-PL" dirty="0"/>
+              <a:t> </a:t>
+            </a:r>
+            <a:r>
+              <a:rPr lang="pl-PL" dirty="0" err="1" smtClean="0"/>
+              <a:t>solution</a:t>
+            </a:r>
+            <a:r>
+              <a:rPr lang="pl-PL" dirty="0"/>
+              <a:t> </a:t>
+            </a:r>
+            <a:r>
+              <a:rPr lang="pl-PL" dirty="0" smtClean="0"/>
+              <a:t>(for </a:t>
+            </a:r>
+            <a:r>
+              <a:rPr lang="pl-PL" dirty="0" err="1" smtClean="0"/>
+              <a:t>example</a:t>
+            </a:r>
+            <a:r>
+              <a:rPr lang="pl-PL" dirty="0" smtClean="0"/>
+              <a:t>: </a:t>
+            </a:r>
+            <a:r>
+              <a:rPr lang="pl-PL" dirty="0"/>
+              <a:t>https://github.com/mjarzebkowski/AGH_ReactContainersPresentation)</a:t>
+            </a:r>
+            <a:endParaRPr lang="pl-PL" dirty="0"/>
+          </a:p>
+          <a:p>
+            <a:pPr marL="457200" indent="-457200">
+              <a:buFont typeface="+mj-lt"/>
+              <a:buAutoNum type="arabicPeriod"/>
+            </a:pPr>
+            <a:r>
+              <a:rPr lang="pl-PL" dirty="0" err="1"/>
+              <a:t>Let’s</a:t>
+            </a:r>
+            <a:r>
+              <a:rPr lang="pl-PL" dirty="0"/>
+              <a:t> run </a:t>
+            </a:r>
+            <a:r>
+              <a:rPr lang="pl-PL" dirty="0" err="1"/>
+              <a:t>npm</a:t>
+            </a:r>
+            <a:r>
+              <a:rPr lang="pl-PL" dirty="0"/>
+              <a:t> </a:t>
+            </a:r>
+            <a:r>
+              <a:rPr lang="pl-PL" dirty="0" err="1"/>
+              <a:t>tool</a:t>
+            </a:r>
+            <a:r>
+              <a:rPr lang="pl-PL" dirty="0" smtClean="0"/>
+              <a:t>:</a:t>
+            </a:r>
+          </a:p>
+          <a:p>
+            <a:pPr marL="914400" lvl="1" indent="-457200">
+              <a:buFont typeface="+mj-lt"/>
+              <a:buAutoNum type="arabicPeriod"/>
+            </a:pPr>
+            <a:r>
+              <a:rPr lang="pl-PL" dirty="0" err="1" smtClean="0"/>
+              <a:t>sudo</a:t>
+            </a:r>
+            <a:r>
+              <a:rPr lang="pl-PL" dirty="0" smtClean="0"/>
+              <a:t> </a:t>
+            </a:r>
+            <a:r>
+              <a:rPr lang="pl-PL" dirty="0" err="1" smtClean="0"/>
+              <a:t>npm</a:t>
+            </a:r>
+            <a:r>
+              <a:rPr lang="pl-PL" dirty="0" smtClean="0"/>
+              <a:t> </a:t>
+            </a:r>
+            <a:r>
+              <a:rPr lang="pl-PL" dirty="0" err="1" smtClean="0"/>
+              <a:t>install</a:t>
+            </a:r>
+            <a:r>
+              <a:rPr lang="pl-PL" dirty="0" smtClean="0"/>
+              <a:t> –g </a:t>
+            </a:r>
+            <a:r>
+              <a:rPr lang="pl-PL" dirty="0" err="1" smtClean="0"/>
+              <a:t>create-react-app</a:t>
+            </a:r>
+            <a:endParaRPr lang="pl-PL" dirty="0" smtClean="0"/>
+          </a:p>
+          <a:p>
+            <a:pPr marL="914400" lvl="1" indent="-457200">
+              <a:buFont typeface="+mj-lt"/>
+              <a:buAutoNum type="arabicPeriod"/>
+            </a:pPr>
+            <a:r>
+              <a:rPr lang="pl-PL" dirty="0" err="1"/>
+              <a:t>c</a:t>
+            </a:r>
+            <a:r>
+              <a:rPr lang="pl-PL" dirty="0" err="1" smtClean="0"/>
+              <a:t>reate-react-app</a:t>
+            </a:r>
+            <a:r>
+              <a:rPr lang="pl-PL" dirty="0" smtClean="0"/>
+              <a:t> </a:t>
+            </a:r>
+            <a:r>
+              <a:rPr lang="pl-PL" dirty="0" err="1" smtClean="0"/>
+              <a:t>agh</a:t>
+            </a:r>
+            <a:endParaRPr lang="pl-PL" dirty="0" smtClean="0"/>
+          </a:p>
+          <a:p>
+            <a:pPr marL="457200" indent="-457200">
+              <a:buFont typeface="+mj-lt"/>
+              <a:buAutoNum type="arabicPeriod"/>
+            </a:pPr>
+            <a:r>
+              <a:rPr lang="pl-PL" dirty="0" err="1" smtClean="0"/>
+              <a:t>Let’s</a:t>
+            </a:r>
+            <a:r>
+              <a:rPr lang="pl-PL" dirty="0" smtClean="0"/>
+              <a:t> test </a:t>
+            </a:r>
+            <a:r>
+              <a:rPr lang="pl-PL" dirty="0" err="1" smtClean="0"/>
+              <a:t>it</a:t>
+            </a:r>
+            <a:r>
+              <a:rPr lang="pl-PL" dirty="0" smtClean="0"/>
+              <a:t>:</a:t>
+            </a:r>
+          </a:p>
+          <a:p>
+            <a:pPr marL="914400" lvl="1" indent="-457200">
+              <a:buFont typeface="+mj-lt"/>
+              <a:buAutoNum type="arabicPeriod"/>
+            </a:pPr>
+            <a:r>
+              <a:rPr lang="pl-PL" dirty="0"/>
+              <a:t>c</a:t>
+            </a:r>
+            <a:r>
+              <a:rPr lang="pl-PL" dirty="0" smtClean="0"/>
+              <a:t>d </a:t>
+            </a:r>
+            <a:r>
+              <a:rPr lang="pl-PL" dirty="0" err="1" smtClean="0"/>
+              <a:t>agh</a:t>
+            </a:r>
+            <a:endParaRPr lang="pl-PL" dirty="0" smtClean="0"/>
+          </a:p>
+          <a:p>
+            <a:pPr marL="914400" lvl="1" indent="-457200">
+              <a:buFont typeface="+mj-lt"/>
+              <a:buAutoNum type="arabicPeriod"/>
+            </a:pPr>
+            <a:r>
+              <a:rPr lang="pl-PL" dirty="0" err="1"/>
+              <a:t>n</a:t>
+            </a:r>
+            <a:r>
+              <a:rPr lang="pl-PL" dirty="0" err="1" smtClean="0"/>
+              <a:t>pm</a:t>
+            </a:r>
+            <a:r>
+              <a:rPr lang="pl-PL" dirty="0" smtClean="0"/>
+              <a:t> run</a:t>
+            </a:r>
+            <a:r>
+              <a:rPr lang="pl-PL" dirty="0"/>
+              <a:t/>
+            </a:r>
+            <a:br>
+              <a:rPr lang="pl-PL" dirty="0"/>
+            </a:br>
+            <a:r>
+              <a:rPr lang="pl-PL" dirty="0"/>
+              <a:t>	</a:t>
+            </a:r>
+          </a:p>
+          <a:p>
+            <a:endParaRPr lang="pl-PL" dirty="0"/>
           </a:p>
         </p:txBody>
       </p:sp>
     </p:spTree>
     <p:extLst>
       <p:ext uri="{BB962C8B-B14F-4D97-AF65-F5344CB8AC3E}">
-        <p14:creationId xmlns:p14="http://schemas.microsoft.com/office/powerpoint/2010/main" val="2806021945"/>
+        <p14:creationId xmlns:p14="http://schemas.microsoft.com/office/powerpoint/2010/main" val="729938111"/>
       </p:ext>
     </p:extLst>
   </p:cSld>
   <p:clrMapOvr>
     <a:masterClrMapping/>
   </p:clrMapOvr>
+  <p:timing>
+    <p:tnLst>
+      <p:par>
+        <p:cTn id="1" dur="indefinite" restart="never" nodeType="tmRoot"/>
+      </p:par>
+    </p:tnLst>
+  </p:timing>
 </p:sld>
 </file>
 
@@ -16201,7 +16515,7 @@
       </p:grpSpPr>
       <p:sp>
         <p:nvSpPr>
-          <p:cNvPr id="4" name="Tytuł 3"/>
+          <p:cNvPr id="2" name="Tytuł 1"/>
           <p:cNvSpPr>
             <a:spLocks noGrp="1"/>
           </p:cNvSpPr>
@@ -16216,11 +16530,19 @@
           <a:p>
             <a:r>
               <a:rPr lang="pl-PL" dirty="0" smtClean="0"/>
-              <a:t>Project </a:t>
+              <a:t>Component </a:t>
             </a:r>
             <a:r>
               <a:rPr lang="pl-PL" dirty="0" err="1" smtClean="0"/>
-              <a:t>creation</a:t>
+              <a:t>Conception</a:t>
+            </a:r>
+            <a:r>
+              <a:rPr lang="pl-PL" dirty="0" smtClean="0"/>
+              <a:t> </a:t>
+            </a:r>
+            <a:r>
+              <a:rPr lang="pl-PL" dirty="0" err="1" smtClean="0"/>
+              <a:t>basics</a:t>
             </a:r>
             <a:endParaRPr lang="pl-PL" dirty="0"/>
           </a:p>
@@ -16228,12 +16550,12 @@
       </p:sp>
       <p:sp>
         <p:nvSpPr>
-          <p:cNvPr id="5" name="Symbol zastępczy tekstu 4"/>
-          <p:cNvSpPr>
-            <a:spLocks noGrp="1"/>
-          </p:cNvSpPr>
-          <p:nvPr>
-            <p:ph type="body" idx="1"/>
+          <p:cNvPr id="3" name="Symbol zastępczy zawartości 2"/>
+          <p:cNvSpPr>
+            <a:spLocks noGrp="1"/>
+          </p:cNvSpPr>
+          <p:nvPr>
+            <p:ph idx="1"/>
           </p:nvPr>
         </p:nvSpPr>
         <p:spPr/>
@@ -16241,20 +16563,65 @@
           <a:bodyPr/>
           <a:lstStyle/>
           <a:p>
-            <a:endParaRPr lang="pl-PL"/>
+            <a:r>
+              <a:rPr lang="pl-PL" dirty="0" err="1" smtClean="0"/>
+              <a:t>p</a:t>
+            </a:r>
+            <a:r>
+              <a:rPr lang="pl-PL" dirty="0" err="1" smtClean="0"/>
+              <a:t>rops</a:t>
+            </a:r>
+            <a:r>
+              <a:rPr lang="pl-PL" dirty="0"/>
+              <a:t> </a:t>
+            </a:r>
+            <a:r>
+              <a:rPr lang="pl-PL" dirty="0" smtClean="0"/>
+              <a:t>- </a:t>
+            </a:r>
+            <a:r>
+              <a:rPr lang="pl-PL" dirty="0" err="1" smtClean="0"/>
+              <a:t>immutable</a:t>
+            </a:r>
+            <a:endParaRPr lang="pl-PL" dirty="0" smtClean="0"/>
+          </a:p>
+          <a:p>
+            <a:endParaRPr lang="pl-PL" dirty="0"/>
+          </a:p>
+          <a:p>
+            <a:r>
+              <a:rPr lang="pl-PL" dirty="0" err="1" smtClean="0"/>
+              <a:t>state</a:t>
+            </a:r>
+            <a:r>
+              <a:rPr lang="pl-PL" dirty="0" smtClean="0"/>
+              <a:t> - </a:t>
+            </a:r>
+            <a:r>
+              <a:rPr lang="pl-PL" dirty="0" err="1" smtClean="0"/>
+              <a:t>mutable</a:t>
+            </a:r>
+            <a:endParaRPr lang="pl-PL" dirty="0"/>
           </a:p>
         </p:txBody>
       </p:sp>
     </p:spTree>
     <p:extLst>
       <p:ext uri="{BB962C8B-B14F-4D97-AF65-F5344CB8AC3E}">
-        <p14:creationId xmlns:p14="http://schemas.microsoft.com/office/powerpoint/2010/main" val="69727872"/>
+        <p14:creationId xmlns:p14="http://schemas.microsoft.com/office/powerpoint/2010/main" val="2806021945"/>
       </p:ext>
     </p:extLst>
   </p:cSld>
   <p:clrMapOvr>
     <a:masterClrMapping/>
   </p:clrMapOvr>
+  <p:timing>
+    <p:tnLst>
+      <p:par>
+        <p:cTn id="1" dur="indefinite" restart="never" nodeType="tmRoot"/>
+      </p:par>
+    </p:tnLst>
+  </p:timing>
 </p:sld>
 </file>
 
@@ -16287,128 +16654,29 @@
         </p:nvSpPr>
         <p:spPr/>
         <p:txBody>
-          <a:bodyPr/>
+          <a:bodyPr>
+            <a:normAutofit/>
+          </a:bodyPr>
           <a:lstStyle/>
           <a:p>
             <a:r>
               <a:rPr lang="pl-PL" dirty="0" smtClean="0"/>
-              <a:t>Project </a:t>
+              <a:t>Component </a:t>
             </a:r>
             <a:r>
               <a:rPr lang="pl-PL" dirty="0" err="1" smtClean="0"/>
-              <a:t>creation</a:t>
-            </a:r>
-            <a:endParaRPr lang="pl-PL" dirty="0"/>
-          </a:p>
-        </p:txBody>
-      </p:sp>
-      <p:sp>
-        <p:nvSpPr>
-          <p:cNvPr id="3" name="Symbol zastępczy zawartości 2"/>
-          <p:cNvSpPr>
-            <a:spLocks noGrp="1"/>
-          </p:cNvSpPr>
-          <p:nvPr>
-            <p:ph idx="1"/>
-          </p:nvPr>
-        </p:nvSpPr>
-        <p:spPr/>
-        <p:txBody>
-          <a:bodyPr/>
-          <a:lstStyle/>
-          <a:p>
-            <a:pPr marL="457200" indent="-457200">
-              <a:buFont typeface="+mj-lt"/>
-              <a:buAutoNum type="arabicPeriod"/>
-            </a:pPr>
-            <a:r>
-              <a:rPr lang="pl-PL" dirty="0" err="1"/>
-              <a:t>Create</a:t>
-            </a:r>
-            <a:r>
-              <a:rPr lang="pl-PL" dirty="0"/>
-              <a:t> git </a:t>
-            </a:r>
-            <a:r>
-              <a:rPr lang="pl-PL" dirty="0" err="1"/>
-              <a:t>repo</a:t>
-            </a:r>
-            <a:r>
-              <a:rPr lang="pl-PL" dirty="0"/>
-              <a:t> to </a:t>
-            </a:r>
-            <a:r>
-              <a:rPr lang="pl-PL" dirty="0" err="1"/>
-              <a:t>our</a:t>
-            </a:r>
-            <a:r>
-              <a:rPr lang="pl-PL" dirty="0"/>
-              <a:t> </a:t>
-            </a:r>
+              <a:t>Conception</a:t>
+            </a:r>
+            <a:r>
+              <a:rPr lang="pl-PL" dirty="0" smtClean="0"/>
+              <a:t/>
+            </a:r>
+            <a:br>
+              <a:rPr lang="pl-PL" dirty="0" smtClean="0"/>
+            </a:br>
             <a:r>
               <a:rPr lang="pl-PL" dirty="0" err="1" smtClean="0"/>
-              <a:t>solution</a:t>
-            </a:r>
-            <a:r>
-              <a:rPr lang="pl-PL" dirty="0"/>
-              <a:t> </a:t>
-            </a:r>
-            <a:r>
-              <a:rPr lang="pl-PL" dirty="0" smtClean="0"/>
-              <a:t>(for </a:t>
-            </a:r>
-            <a:r>
-              <a:rPr lang="pl-PL" dirty="0" err="1" smtClean="0"/>
-              <a:t>example</a:t>
-            </a:r>
-            <a:r>
-              <a:rPr lang="pl-PL" dirty="0" smtClean="0"/>
-              <a:t>: </a:t>
-            </a:r>
-            <a:r>
-              <a:rPr lang="pl-PL" dirty="0"/>
-              <a:t>https://github.com/mjarzebkowski/AGH_ReactContainersPresentation)</a:t>
-            </a:r>
-            <a:endParaRPr lang="pl-PL" dirty="0"/>
-          </a:p>
-          <a:p>
-            <a:pPr marL="457200" indent="-457200">
-              <a:buFont typeface="+mj-lt"/>
-              <a:buAutoNum type="arabicPeriod"/>
-            </a:pPr>
-            <a:r>
-              <a:rPr lang="pl-PL" dirty="0" err="1"/>
-              <a:t>Let’s</a:t>
-            </a:r>
-            <a:r>
-              <a:rPr lang="pl-PL" dirty="0"/>
-              <a:t> run </a:t>
-            </a:r>
-            <a:r>
-              <a:rPr lang="pl-PL" dirty="0" err="1"/>
-              <a:t>npm</a:t>
-            </a:r>
-            <a:r>
-              <a:rPr lang="pl-PL" dirty="0"/>
-              <a:t> </a:t>
-            </a:r>
-            <a:r>
-              <a:rPr lang="pl-PL" dirty="0" err="1"/>
-              <a:t>tool</a:t>
-            </a:r>
-            <a:r>
-              <a:rPr lang="pl-PL" dirty="0" smtClean="0"/>
-              <a:t>:</a:t>
-            </a:r>
-          </a:p>
-          <a:p>
-            <a:pPr marL="914400" lvl="1" indent="-457200">
-              <a:buFont typeface="+mj-lt"/>
-              <a:buAutoNum type="arabicPeriod"/>
-            </a:pPr>
-            <a:r>
-              <a:rPr lang="pl-PL" dirty="0" err="1" smtClean="0"/>
-              <a:t>sudo</a:t>
+              <a:t>three</a:t>
             </a:r>
             <a:r>
               <a:rPr lang="pl-PL" dirty="0" smtClean="0"/>
@@ -16416,141 +16684,159 @@
             </a:r>
             <a:r>
               <a:rPr lang="pl-PL" dirty="0" err="1" smtClean="0"/>
-              <a:t>npm</a:t>
+              <a:t>ways</a:t>
+            </a:r>
+            <a:endParaRPr lang="pl-PL" dirty="0"/>
+          </a:p>
+        </p:txBody>
+      </p:sp>
+      <p:sp>
+        <p:nvSpPr>
+          <p:cNvPr id="13" name="Symbol zastępczy tekstu 12"/>
+          <p:cNvSpPr>
+            <a:spLocks noGrp="1"/>
+          </p:cNvSpPr>
+          <p:nvPr>
+            <p:ph type="body" idx="1"/>
+          </p:nvPr>
+        </p:nvSpPr>
+        <p:spPr/>
+        <p:txBody>
+          <a:bodyPr/>
+          <a:lstStyle/>
+          <a:p>
+            <a:r>
+              <a:rPr lang="pl-PL" dirty="0" err="1" smtClean="0"/>
+              <a:t>Stateless</a:t>
             </a:r>
             <a:r>
               <a:rPr lang="pl-PL" dirty="0" smtClean="0"/>
-              <a:t> </a:t>
-            </a:r>
+              <a:t> Components</a:t>
+            </a:r>
+            <a:endParaRPr lang="pl-PL" dirty="0"/>
+          </a:p>
+        </p:txBody>
+      </p:sp>
+      <p:sp>
+        <p:nvSpPr>
+          <p:cNvPr id="16" name="Symbol zastępczy tekstu 15"/>
+          <p:cNvSpPr>
+            <a:spLocks noGrp="1"/>
+          </p:cNvSpPr>
+          <p:nvPr>
+            <p:ph type="body" sz="half" idx="15"/>
+          </p:nvPr>
+        </p:nvSpPr>
+        <p:spPr/>
+        <p:txBody>
+          <a:bodyPr/>
+          <a:lstStyle/>
+          <a:p>
+            <a:endParaRPr lang="pl-PL" dirty="0"/>
+          </a:p>
+        </p:txBody>
+      </p:sp>
+      <p:sp>
+        <p:nvSpPr>
+          <p:cNvPr id="14" name="Symbol zastępczy tekstu 13"/>
+          <p:cNvSpPr>
+            <a:spLocks noGrp="1"/>
+          </p:cNvSpPr>
+          <p:nvPr>
+            <p:ph type="body" sz="quarter" idx="3"/>
+          </p:nvPr>
+        </p:nvSpPr>
+        <p:spPr/>
+        <p:txBody>
+          <a:bodyPr/>
+          <a:lstStyle/>
+          <a:p>
             <a:r>
               <a:rPr lang="pl-PL" dirty="0" err="1" smtClean="0"/>
-              <a:t>install</a:t>
-            </a:r>
-            <a:r>
-              <a:rPr lang="pl-PL" dirty="0" smtClean="0"/>
-              <a:t> –g </a:t>
-            </a:r>
+              <a:t>React.createClass</a:t>
+            </a:r>
+            <a:endParaRPr lang="pl-PL" dirty="0"/>
+          </a:p>
+        </p:txBody>
+      </p:sp>
+      <p:sp>
+        <p:nvSpPr>
+          <p:cNvPr id="17" name="Symbol zastępczy tekstu 16"/>
+          <p:cNvSpPr>
+            <a:spLocks noGrp="1"/>
+          </p:cNvSpPr>
+          <p:nvPr>
+            <p:ph type="body" sz="half" idx="16"/>
+          </p:nvPr>
+        </p:nvSpPr>
+        <p:spPr/>
+        <p:txBody>
+          <a:bodyPr/>
+          <a:lstStyle/>
+          <a:p>
+            <a:endParaRPr lang="pl-PL" dirty="0"/>
+          </a:p>
+        </p:txBody>
+      </p:sp>
+      <p:sp>
+        <p:nvSpPr>
+          <p:cNvPr id="15" name="Symbol zastępczy tekstu 14"/>
+          <p:cNvSpPr>
+            <a:spLocks noGrp="1"/>
+          </p:cNvSpPr>
+          <p:nvPr>
+            <p:ph type="body" sz="quarter" idx="13"/>
+          </p:nvPr>
+        </p:nvSpPr>
+        <p:spPr/>
+        <p:txBody>
+          <a:bodyPr/>
+          <a:lstStyle/>
+          <a:p>
             <a:r>
               <a:rPr lang="pl-PL" dirty="0" err="1" smtClean="0"/>
-              <a:t>create-react-app</a:t>
-            </a:r>
-            <a:endParaRPr lang="pl-PL" dirty="0" smtClean="0"/>
-          </a:p>
-          <a:p>
-            <a:pPr marL="914400" lvl="1" indent="-457200">
-              <a:buFont typeface="+mj-lt"/>
-              <a:buAutoNum type="arabicPeriod"/>
-            </a:pPr>
-            <a:r>
-              <a:rPr lang="pl-PL" dirty="0" err="1"/>
-              <a:t>c</a:t>
-            </a:r>
-            <a:r>
-              <a:rPr lang="pl-PL" dirty="0" err="1" smtClean="0"/>
-              <a:t>reate-react-app</a:t>
-            </a:r>
-            <a:r>
-              <a:rPr lang="pl-PL" dirty="0" smtClean="0"/>
-              <a:t> </a:t>
-            </a:r>
-            <a:r>
-              <a:rPr lang="pl-PL" dirty="0" err="1" smtClean="0"/>
-              <a:t>agh</a:t>
-            </a:r>
-            <a:endParaRPr lang="pl-PL" dirty="0" smtClean="0"/>
-          </a:p>
-          <a:p>
-            <a:pPr marL="457200" indent="-457200">
-              <a:buFont typeface="+mj-lt"/>
-              <a:buAutoNum type="arabicPeriod"/>
-            </a:pPr>
-            <a:r>
-              <a:rPr lang="pl-PL" dirty="0" err="1" smtClean="0"/>
-              <a:t>Let’s</a:t>
-            </a:r>
-            <a:r>
-              <a:rPr lang="pl-PL" dirty="0" smtClean="0"/>
-              <a:t> test </a:t>
-            </a:r>
-            <a:r>
-              <a:rPr lang="pl-PL" dirty="0" err="1" smtClean="0"/>
-              <a:t>it</a:t>
-            </a:r>
-            <a:r>
-              <a:rPr lang="pl-PL" dirty="0" smtClean="0"/>
-              <a:t>:</a:t>
-            </a:r>
-          </a:p>
-          <a:p>
-            <a:pPr marL="914400" lvl="1" indent="-457200">
-              <a:buFont typeface="+mj-lt"/>
-              <a:buAutoNum type="arabicPeriod"/>
-            </a:pPr>
-            <a:r>
-              <a:rPr lang="pl-PL" dirty="0"/>
-              <a:t>c</a:t>
-            </a:r>
-            <a:r>
-              <a:rPr lang="pl-PL" dirty="0" smtClean="0"/>
-              <a:t>d </a:t>
-            </a:r>
-            <a:r>
-              <a:rPr lang="pl-PL" dirty="0" err="1" smtClean="0"/>
-              <a:t>agh</a:t>
-            </a:r>
-            <a:endParaRPr lang="pl-PL" dirty="0" smtClean="0"/>
-          </a:p>
-          <a:p>
-            <a:pPr marL="914400" lvl="1" indent="-457200">
-              <a:buFont typeface="+mj-lt"/>
-              <a:buAutoNum type="arabicPeriod"/>
-            </a:pPr>
-            <a:r>
-              <a:rPr lang="pl-PL" dirty="0" err="1"/>
-              <a:t>n</a:t>
-            </a:r>
-            <a:r>
-              <a:rPr lang="pl-PL" dirty="0" err="1" smtClean="0"/>
-              <a:t>pm</a:t>
-            </a:r>
-            <a:r>
-              <a:rPr lang="pl-PL" dirty="0" smtClean="0"/>
-              <a:t> run</a:t>
-            </a:r>
-            <a:endParaRPr lang="pl-PL" dirty="0" smtClean="0"/>
-          </a:p>
-          <a:p>
-            <a:pPr marL="457200" indent="-457200">
-              <a:buFont typeface="+mj-lt"/>
-              <a:buAutoNum type="arabicPeriod"/>
-            </a:pPr>
-            <a:r>
-              <a:rPr lang="pl-PL" dirty="0"/>
-              <a:t/>
-            </a:r>
-            <a:br>
-              <a:rPr lang="pl-PL" dirty="0"/>
-            </a:br>
-            <a:r>
-              <a:rPr lang="pl-PL" dirty="0"/>
-              <a:t>	</a:t>
-            </a:r>
-          </a:p>
-          <a:p>
+              <a:t>React.Component</a:t>
+            </a:r>
             <a:endParaRPr lang="pl-PL" dirty="0"/>
+          </a:p>
+        </p:txBody>
+      </p:sp>
+      <p:sp>
+        <p:nvSpPr>
+          <p:cNvPr id="18" name="Symbol zastępczy tekstu 17"/>
+          <p:cNvSpPr>
+            <a:spLocks noGrp="1"/>
+          </p:cNvSpPr>
+          <p:nvPr>
+            <p:ph type="body" sz="half" idx="17"/>
+          </p:nvPr>
+        </p:nvSpPr>
+        <p:spPr/>
+        <p:txBody>
+          <a:bodyPr/>
+          <a:lstStyle/>
+          <a:p>
+            <a:endParaRPr lang="pl-PL"/>
           </a:p>
         </p:txBody>
       </p:sp>
     </p:spTree>
     <p:extLst>
       <p:ext uri="{BB962C8B-B14F-4D97-AF65-F5344CB8AC3E}">
-        <p14:creationId xmlns:p14="http://schemas.microsoft.com/office/powerpoint/2010/main" val="729938111"/>
+        <p14:creationId xmlns:p14="http://schemas.microsoft.com/office/powerpoint/2010/main" val="3259374144"/>
       </p:ext>
     </p:extLst>
   </p:cSld>
   <p:clrMapOvr>
     <a:masterClrMapping/>
   </p:clrMapOvr>
+  <p:timing>
+    <p:tnLst>
+      <p:par>
+        <p:cTn id="1" dur="indefinite" restart="never" nodeType="tmRoot"/>
+      </p:par>
+    </p:tnLst>
+  </p:timing>
 </p:sld>
 </file>
 
@@ -16613,6 +16899,34 @@
           <a:bodyPr/>
           <a:lstStyle/>
           <a:p>
+            <a:r>
+              <a:rPr lang="pl-PL" dirty="0" smtClean="0"/>
+              <a:t>And </a:t>
+            </a:r>
+            <a:r>
+              <a:rPr lang="pl-PL" dirty="0" err="1" smtClean="0"/>
+              <a:t>what</a:t>
+            </a:r>
+            <a:r>
+              <a:rPr lang="pl-PL" dirty="0" smtClean="0"/>
+              <a:t> we </a:t>
+            </a:r>
+            <a:r>
+              <a:rPr lang="pl-PL" dirty="0" err="1" smtClean="0"/>
+              <a:t>should</a:t>
+            </a:r>
+            <a:r>
+              <a:rPr lang="pl-PL" dirty="0" smtClean="0"/>
+              <a:t> </a:t>
+            </a:r>
+            <a:r>
+              <a:rPr lang="pl-PL" dirty="0" err="1" smtClean="0"/>
+              <a:t>see</a:t>
+            </a:r>
+            <a:r>
+              <a:rPr lang="pl-PL" dirty="0" smtClean="0"/>
+              <a:t>:</a:t>
+            </a:r>
             <a:endParaRPr lang="pl-PL" dirty="0"/>
           </a:p>
         </p:txBody>
@@ -16627,6 +16941,13 @@
   <p:clrMapOvr>
     <a:masterClrMapping/>
   </p:clrMapOvr>
+  <p:timing>
+    <p:tnLst>
+      <p:par>
+        <p:cTn id="1" dur="indefinite" restart="never" nodeType="tmRoot"/>
+      </p:par>
+    </p:tnLst>
+  </p:timing>
 </p:sld>
 </file>
 
